--- a/3.) Introduction to computers/Introduction to computers.pptx
+++ b/3.) Introduction to computers/Introduction to computers.pptx
@@ -1217,6 +1217,11 @@
 <file path=ppt/slideLayouts/slideLayout2.xml><?xml version="1.0" encoding="utf-8"?>
 <p:sldLayout xmlns:a="http://schemas.openxmlformats.org/drawingml/2006/main" xmlns:r="http://schemas.openxmlformats.org/officeDocument/2006/relationships" xmlns:p="http://schemas.openxmlformats.org/presentationml/2006/main" type="obj" preserve="1">
   <p:cSld name="Title and Content">
+    <p:bg>
+      <p:bgRef idx="1001">
+        <a:schemeClr val="bg1"/>
+      </p:bgRef>
+    </p:bg>
     <p:spTree>
       <p:nvGrpSpPr>
         <p:cNvPr id="1" name=""/>
@@ -1374,7 +1379,7 @@
     </p:spTree>
   </p:cSld>
   <p:clrMapOvr>
-    <a:masterClrMapping/>
+    <a:overrideClrMapping bg1="lt1" tx1="dk1" bg2="lt2" tx2="dk2" accent1="accent1" accent2="accent2" accent3="accent3" accent4="accent4" accent5="accent5" accent6="accent6" hlink="hlink" folHlink="folHlink"/>
   </p:clrMapOvr>
 </p:sldLayout>
 </file>
@@ -4516,7 +4521,7 @@
         </p:nvSpPr>
         <p:spPr>
           <a:xfrm>
-            <a:off x="1371600" y="2171700"/>
+            <a:off x="1371600" y="1680210"/>
             <a:ext cx="9601200" cy="4251960"/>
           </a:xfrm>
         </p:spPr>
@@ -4743,7 +4748,7 @@
         </p:nvSpPr>
         <p:spPr>
           <a:xfrm>
-            <a:off x="1371600" y="2171700"/>
+            <a:off x="1371600" y="1428750"/>
             <a:ext cx="9601200" cy="4251960"/>
           </a:xfrm>
         </p:spPr>
@@ -4945,7 +4950,7 @@
         </p:nvSpPr>
         <p:spPr>
           <a:xfrm>
-            <a:off x="1371600" y="2171700"/>
+            <a:off x="1371600" y="1565910"/>
             <a:ext cx="9601200" cy="4251960"/>
           </a:xfrm>
         </p:spPr>
@@ -5732,6 +5737,14 @@
 <file path=ppt/slides/slide4.xml><?xml version="1.0" encoding="utf-8"?>
 <p:sld xmlns:a="http://schemas.openxmlformats.org/drawingml/2006/main" xmlns:r="http://schemas.openxmlformats.org/officeDocument/2006/relationships" xmlns:p="http://schemas.openxmlformats.org/presentationml/2006/main">
   <p:cSld>
+    <p:bg>
+      <p:bgPr>
+        <a:solidFill>
+          <a:schemeClr val="bg1"/>
+        </a:solidFill>
+        <a:effectLst/>
+      </p:bgPr>
+    </p:bg>
     <p:spTree>
       <p:nvGrpSpPr>
         <p:cNvPr id="1" name=""/>
@@ -5930,8 +5943,8 @@
         </p:blipFill>
         <p:spPr bwMode="auto">
           <a:xfrm>
-            <a:off x="8296940" y="5733607"/>
-            <a:ext cx="497072" cy="497072"/>
+            <a:off x="8623005" y="5634369"/>
+            <a:ext cx="436822" cy="436822"/>
           </a:xfrm>
           <a:prstGeom prst="rect">
             <a:avLst/>
